--- a/Arquitectura.pptx
+++ b/Arquitectura.pptx
@@ -7,6 +7,7 @@
   <p:sldIdLst>
     <p:sldId id="256" r:id="rId2"/>
     <p:sldId id="257" r:id="rId3"/>
+    <p:sldId id="258" r:id="rId4"/>
   </p:sldIdLst>
   <p:sldSz cx="12192000" cy="6858000"/>
   <p:notesSz cx="6858000" cy="9144000"/>
@@ -105,6 +106,11 @@
       </a:defRPr>
     </a:lvl9pPr>
   </p:defaultTextStyle>
+  <p:extLst>
+    <p:ext uri="{EFAFB233-063F-42B5-8137-9DF3F51BA10A}">
+      <p15:sldGuideLst xmlns:p15="http://schemas.microsoft.com/office/powerpoint/2012/main"/>
+    </p:ext>
+  </p:extLst>
 </p:presentation>
 </file>
 
@@ -4390,7 +4396,61 @@
         </p:nvSpPr>
         <p:spPr>
           <a:xfrm>
-            <a:off x="514505" y="1085881"/>
+            <a:off x="2790721" y="1085881"/>
+            <a:ext cx="5718493" cy="545286"/>
+          </a:xfrm>
+          <a:prstGeom prst="rect">
+            <a:avLst/>
+          </a:prstGeom>
+          <a:solidFill>
+            <a:schemeClr val="accent6">
+              <a:alpha val="64000"/>
+            </a:schemeClr>
+          </a:solidFill>
+        </p:spPr>
+        <p:style>
+          <a:lnRef idx="2">
+            <a:schemeClr val="accent6">
+              <a:shade val="50000"/>
+            </a:schemeClr>
+          </a:lnRef>
+          <a:fillRef idx="1">
+            <a:schemeClr val="accent6"/>
+          </a:fillRef>
+          <a:effectRef idx="0">
+            <a:schemeClr val="accent6"/>
+          </a:effectRef>
+          <a:fontRef idx="minor">
+            <a:schemeClr val="lt1"/>
+          </a:fontRef>
+        </p:style>
+        <p:txBody>
+          <a:bodyPr rtlCol="0" anchor="ctr"/>
+          <a:lstStyle/>
+          <a:p>
+            <a:pPr algn="ctr"/>
+            <a:r>
+              <a:rPr lang="es-EC" dirty="0"/>
+              <a:t>ASSETS 77</a:t>
+            </a:r>
+          </a:p>
+        </p:txBody>
+      </p:sp>
+      <p:sp>
+        <p:nvSpPr>
+          <p:cNvPr id="17" name="Rectángulo 16">
+            <a:extLst>
+              <a:ext uri="{FF2B5EF4-FFF2-40B4-BE49-F238E27FC236}">
+                <a16:creationId xmlns:a16="http://schemas.microsoft.com/office/drawing/2014/main" id="{88D21BE6-A1FF-4FFB-B784-6DC4088651B0}"/>
+              </a:ext>
+            </a:extLst>
+          </p:cNvPr>
+          <p:cNvSpPr/>
+          <p:nvPr/>
+        </p:nvSpPr>
+        <p:spPr>
+          <a:xfrm>
+            <a:off x="514504" y="467086"/>
             <a:ext cx="7994709" cy="545286"/>
           </a:xfrm>
           <a:prstGeom prst="rect">
@@ -4425,17 +4485,47 @@
             <a:pPr algn="ctr"/>
             <a:r>
               <a:rPr lang="es-EC" dirty="0"/>
-              <a:t>ASSETS 77</a:t>
-            </a:r>
-          </a:p>
-        </p:txBody>
-      </p:sp>
-      <p:sp>
-        <p:nvSpPr>
-          <p:cNvPr id="17" name="Rectángulo 16">
-            <a:extLst>
-              <a:ext uri="{FF2B5EF4-FFF2-40B4-BE49-F238E27FC236}">
-                <a16:creationId xmlns:a16="http://schemas.microsoft.com/office/drawing/2014/main" id="{88D21BE6-A1FF-4FFB-B784-6DC4088651B0}"/>
+              <a:t>MAIN DATA 78</a:t>
+            </a:r>
+          </a:p>
+        </p:txBody>
+      </p:sp>
+    </p:spTree>
+    <p:extLst>
+      <p:ext uri="{BB962C8B-B14F-4D97-AF65-F5344CB8AC3E}">
+        <p14:creationId xmlns:p14="http://schemas.microsoft.com/office/powerpoint/2010/main" val="1089199657"/>
+      </p:ext>
+    </p:extLst>
+  </p:cSld>
+  <p:clrMapOvr>
+    <a:masterClrMapping/>
+  </p:clrMapOvr>
+</p:sld>
+</file>
+
+<file path=ppt/slides/slide3.xml><?xml version="1.0" encoding="utf-8"?>
+<p:sld xmlns:a="http://schemas.openxmlformats.org/drawingml/2006/main" xmlns:r="http://schemas.openxmlformats.org/officeDocument/2006/relationships" xmlns:p="http://schemas.openxmlformats.org/presentationml/2006/main">
+  <p:cSld>
+    <p:spTree>
+      <p:nvGrpSpPr>
+        <p:cNvPr id="1" name=""/>
+        <p:cNvGrpSpPr/>
+        <p:nvPr/>
+      </p:nvGrpSpPr>
+      <p:grpSpPr>
+        <a:xfrm>
+          <a:off x="0" y="0"/>
+          <a:ext cx="0" cy="0"/>
+          <a:chOff x="0" y="0"/>
+          <a:chExt cx="0" cy="0"/>
+        </a:xfrm>
+      </p:grpSpPr>
+      <p:sp>
+        <p:nvSpPr>
+          <p:cNvPr id="4" name="Rectángulo 3">
+            <a:extLst>
+              <a:ext uri="{FF2B5EF4-FFF2-40B4-BE49-F238E27FC236}">
+                <a16:creationId xmlns:a16="http://schemas.microsoft.com/office/drawing/2014/main" id="{FECD0E08-4B53-45B7-9DA9-5AD6E1E9E3EE}"/>
               </a:ext>
             </a:extLst>
           </p:cNvPr>
@@ -4444,15 +4534,367 @@
         </p:nvSpPr>
         <p:spPr>
           <a:xfrm>
-            <a:off x="514504" y="476496"/>
-            <a:ext cx="7994709" cy="545286"/>
+            <a:off x="662730" y="587229"/>
+            <a:ext cx="1996580" cy="5486400"/>
+          </a:xfrm>
+          <a:prstGeom prst="rect">
+            <a:avLst/>
+          </a:prstGeom>
+        </p:spPr>
+        <p:style>
+          <a:lnRef idx="2">
+            <a:schemeClr val="accent1">
+              <a:shade val="50000"/>
+            </a:schemeClr>
+          </a:lnRef>
+          <a:fillRef idx="1">
+            <a:schemeClr val="accent1"/>
+          </a:fillRef>
+          <a:effectRef idx="0">
+            <a:schemeClr val="accent1"/>
+          </a:effectRef>
+          <a:fontRef idx="minor">
+            <a:schemeClr val="lt1"/>
+          </a:fontRef>
+        </p:style>
+        <p:txBody>
+          <a:bodyPr rtlCol="0" anchor="ctr"/>
+          <a:lstStyle/>
+          <a:p>
+            <a:pPr algn="ctr"/>
+            <a:r>
+              <a:rPr lang="es-EC" dirty="0"/>
+              <a:t>SERVICIO</a:t>
+            </a:r>
+          </a:p>
+        </p:txBody>
+      </p:sp>
+      <p:sp>
+        <p:nvSpPr>
+          <p:cNvPr id="5" name="Rectángulo 4">
+            <a:extLst>
+              <a:ext uri="{FF2B5EF4-FFF2-40B4-BE49-F238E27FC236}">
+                <a16:creationId xmlns:a16="http://schemas.microsoft.com/office/drawing/2014/main" id="{DB442C69-9C3C-4D12-9BFE-97F8DEE16EF0}"/>
+              </a:ext>
+            </a:extLst>
+          </p:cNvPr>
+          <p:cNvSpPr/>
+          <p:nvPr/>
+        </p:nvSpPr>
+        <p:spPr>
+          <a:xfrm>
+            <a:off x="2796330" y="587229"/>
+            <a:ext cx="5315824" cy="3372376"/>
+          </a:xfrm>
+          <a:prstGeom prst="rect">
+            <a:avLst/>
+          </a:prstGeom>
+        </p:spPr>
+        <p:style>
+          <a:lnRef idx="2">
+            <a:schemeClr val="accent1">
+              <a:shade val="50000"/>
+            </a:schemeClr>
+          </a:lnRef>
+          <a:fillRef idx="1">
+            <a:schemeClr val="accent1"/>
+          </a:fillRef>
+          <a:effectRef idx="0">
+            <a:schemeClr val="accent1"/>
+          </a:effectRef>
+          <a:fontRef idx="minor">
+            <a:schemeClr val="lt1"/>
+          </a:fontRef>
+        </p:style>
+        <p:txBody>
+          <a:bodyPr rtlCol="0" anchor="b"/>
+          <a:lstStyle/>
+          <a:p>
+            <a:pPr algn="ctr"/>
+            <a:r>
+              <a:rPr lang="es-EC" dirty="0"/>
+              <a:t>COMPONENTE</a:t>
+            </a:r>
+          </a:p>
+        </p:txBody>
+      </p:sp>
+      <p:sp>
+        <p:nvSpPr>
+          <p:cNvPr id="9" name="CuadroTexto 8">
+            <a:extLst>
+              <a:ext uri="{FF2B5EF4-FFF2-40B4-BE49-F238E27FC236}">
+                <a16:creationId xmlns:a16="http://schemas.microsoft.com/office/drawing/2014/main" id="{1D79D841-4F20-408F-88F3-9806B05A49B9}"/>
+              </a:ext>
+            </a:extLst>
+          </p:cNvPr>
+          <p:cNvSpPr txBox="1"/>
+          <p:nvPr/>
+        </p:nvSpPr>
+        <p:spPr>
+          <a:xfrm>
+            <a:off x="4186106" y="0"/>
+            <a:ext cx="3072059" cy="369332"/>
+          </a:xfrm>
+          <a:prstGeom prst="rect">
+            <a:avLst/>
+          </a:prstGeom>
+          <a:noFill/>
+        </p:spPr>
+        <p:txBody>
+          <a:bodyPr wrap="none" rtlCol="0">
+            <a:spAutoFit/>
+          </a:bodyPr>
+          <a:lstStyle/>
+          <a:p>
+            <a:r>
+              <a:rPr lang="es-EC" dirty="0"/>
+              <a:t>ARQUITECTURA DE FRONTEND</a:t>
+            </a:r>
+          </a:p>
+        </p:txBody>
+      </p:sp>
+      <p:sp>
+        <p:nvSpPr>
+          <p:cNvPr id="3" name="Elipse 2">
+            <a:extLst>
+              <a:ext uri="{FF2B5EF4-FFF2-40B4-BE49-F238E27FC236}">
+                <a16:creationId xmlns:a16="http://schemas.microsoft.com/office/drawing/2014/main" id="{E37AE821-0F8C-42EA-A65D-4B768EFAA5EB}"/>
+              </a:ext>
+            </a:extLst>
+          </p:cNvPr>
+          <p:cNvSpPr/>
+          <p:nvPr/>
+        </p:nvSpPr>
+        <p:spPr>
+          <a:xfrm>
+            <a:off x="314587" y="981511"/>
+            <a:ext cx="696286" cy="620786"/>
+          </a:xfrm>
+          <a:prstGeom prst="ellipse">
+            <a:avLst/>
+          </a:prstGeom>
+        </p:spPr>
+        <p:style>
+          <a:lnRef idx="2">
+            <a:schemeClr val="accent2">
+              <a:shade val="50000"/>
+            </a:schemeClr>
+          </a:lnRef>
+          <a:fillRef idx="1">
+            <a:schemeClr val="accent2"/>
+          </a:fillRef>
+          <a:effectRef idx="0">
+            <a:schemeClr val="accent2"/>
+          </a:effectRef>
+          <a:fontRef idx="minor">
+            <a:schemeClr val="lt1"/>
+          </a:fontRef>
+        </p:style>
+        <p:txBody>
+          <a:bodyPr rtlCol="0" anchor="ctr"/>
+          <a:lstStyle/>
+          <a:p>
+            <a:pPr algn="ctr"/>
+            <a:endParaRPr lang="es-EC"/>
+          </a:p>
+        </p:txBody>
+      </p:sp>
+      <p:sp>
+        <p:nvSpPr>
+          <p:cNvPr id="18" name="Elipse 17">
+            <a:extLst>
+              <a:ext uri="{FF2B5EF4-FFF2-40B4-BE49-F238E27FC236}">
+                <a16:creationId xmlns:a16="http://schemas.microsoft.com/office/drawing/2014/main" id="{E37CCEA5-B9FD-489B-B4A3-167F980630D7}"/>
+              </a:ext>
+            </a:extLst>
+          </p:cNvPr>
+          <p:cNvSpPr/>
+          <p:nvPr/>
+        </p:nvSpPr>
+        <p:spPr>
+          <a:xfrm>
+            <a:off x="314587" y="1686186"/>
+            <a:ext cx="696286" cy="620786"/>
+          </a:xfrm>
+          <a:prstGeom prst="ellipse">
+            <a:avLst/>
+          </a:prstGeom>
+        </p:spPr>
+        <p:style>
+          <a:lnRef idx="2">
+            <a:schemeClr val="accent2">
+              <a:shade val="50000"/>
+            </a:schemeClr>
+          </a:lnRef>
+          <a:fillRef idx="1">
+            <a:schemeClr val="accent2"/>
+          </a:fillRef>
+          <a:effectRef idx="0">
+            <a:schemeClr val="accent2"/>
+          </a:effectRef>
+          <a:fontRef idx="minor">
+            <a:schemeClr val="lt1"/>
+          </a:fontRef>
+        </p:style>
+        <p:txBody>
+          <a:bodyPr rtlCol="0" anchor="ctr"/>
+          <a:lstStyle/>
+          <a:p>
+            <a:pPr algn="ctr"/>
+            <a:endParaRPr lang="es-EC"/>
+          </a:p>
+        </p:txBody>
+      </p:sp>
+      <p:sp>
+        <p:nvSpPr>
+          <p:cNvPr id="7" name="Rectángulo 6">
+            <a:extLst>
+              <a:ext uri="{FF2B5EF4-FFF2-40B4-BE49-F238E27FC236}">
+                <a16:creationId xmlns:a16="http://schemas.microsoft.com/office/drawing/2014/main" id="{C3970E8A-D24D-4E55-8413-8F76E5039246}"/>
+              </a:ext>
+            </a:extLst>
+          </p:cNvPr>
+          <p:cNvSpPr/>
+          <p:nvPr/>
+        </p:nvSpPr>
+        <p:spPr>
+          <a:xfrm>
+            <a:off x="2796330" y="587227"/>
+            <a:ext cx="1652632" cy="2994885"/>
+          </a:xfrm>
+          <a:prstGeom prst="rect">
+            <a:avLst/>
+          </a:prstGeom>
+        </p:spPr>
+        <p:style>
+          <a:lnRef idx="2">
+            <a:schemeClr val="accent6">
+              <a:shade val="50000"/>
+            </a:schemeClr>
+          </a:lnRef>
+          <a:fillRef idx="1">
+            <a:schemeClr val="accent6"/>
+          </a:fillRef>
+          <a:effectRef idx="0">
+            <a:schemeClr val="accent6"/>
+          </a:effectRef>
+          <a:fontRef idx="minor">
+            <a:schemeClr val="lt1"/>
+          </a:fontRef>
+        </p:style>
+        <p:txBody>
+          <a:bodyPr rtlCol="0" anchor="ctr"/>
+          <a:lstStyle/>
+          <a:p>
+            <a:pPr algn="ctr"/>
+            <a:r>
+              <a:rPr lang="es-EC" dirty="0"/>
+              <a:t>TYPESCRIPT</a:t>
+            </a:r>
+          </a:p>
+          <a:p>
+            <a:pPr algn="ctr"/>
+            <a:r>
+              <a:rPr lang="es-EC" dirty="0"/>
+              <a:t>INTELIGENCIA</a:t>
+            </a:r>
+          </a:p>
+          <a:p>
+            <a:pPr algn="ctr"/>
+            <a:endParaRPr lang="es-EC" dirty="0"/>
+          </a:p>
+          <a:p>
+            <a:pPr algn="ctr"/>
+            <a:r>
+              <a:rPr lang="es-EC" dirty="0" err="1"/>
+              <a:t>Eq</a:t>
+            </a:r>
+            <a:r>
+              <a:rPr lang="es-EC" dirty="0"/>
+              <a:t>. JAVASCRIPT</a:t>
+            </a:r>
+          </a:p>
+        </p:txBody>
+      </p:sp>
+      <p:sp>
+        <p:nvSpPr>
+          <p:cNvPr id="19" name="Rectángulo 18">
+            <a:extLst>
+              <a:ext uri="{FF2B5EF4-FFF2-40B4-BE49-F238E27FC236}">
+                <a16:creationId xmlns:a16="http://schemas.microsoft.com/office/drawing/2014/main" id="{81FA9DBF-BAAF-428D-80EE-2D0EC972EAAC}"/>
+              </a:ext>
+            </a:extLst>
+          </p:cNvPr>
+          <p:cNvSpPr/>
+          <p:nvPr/>
+        </p:nvSpPr>
+        <p:spPr>
+          <a:xfrm>
+            <a:off x="4430784" y="587214"/>
+            <a:ext cx="2028737" cy="2994885"/>
+          </a:xfrm>
+          <a:prstGeom prst="rect">
+            <a:avLst/>
+          </a:prstGeom>
+        </p:spPr>
+        <p:style>
+          <a:lnRef idx="2">
+            <a:schemeClr val="accent3">
+              <a:shade val="50000"/>
+            </a:schemeClr>
+          </a:lnRef>
+          <a:fillRef idx="1">
+            <a:schemeClr val="accent3"/>
+          </a:fillRef>
+          <a:effectRef idx="0">
+            <a:schemeClr val="accent3"/>
+          </a:effectRef>
+          <a:fontRef idx="minor">
+            <a:schemeClr val="lt1"/>
+          </a:fontRef>
+        </p:style>
+        <p:txBody>
+          <a:bodyPr rtlCol="0" anchor="ctr"/>
+          <a:lstStyle/>
+          <a:p>
+            <a:pPr algn="ctr"/>
+            <a:r>
+              <a:rPr lang="es-EC" dirty="0"/>
+              <a:t>VISTA HTML</a:t>
+            </a:r>
+          </a:p>
+          <a:p>
+            <a:pPr algn="ctr"/>
+            <a:r>
+              <a:rPr lang="es-EC" dirty="0"/>
+              <a:t>OBJETOS VISUALES</a:t>
+            </a:r>
+          </a:p>
+        </p:txBody>
+      </p:sp>
+      <p:sp>
+        <p:nvSpPr>
+          <p:cNvPr id="20" name="Rectángulo 19">
+            <a:extLst>
+              <a:ext uri="{FF2B5EF4-FFF2-40B4-BE49-F238E27FC236}">
+                <a16:creationId xmlns:a16="http://schemas.microsoft.com/office/drawing/2014/main" id="{9397F999-B135-4CC3-A5FC-AE5455880F94}"/>
+              </a:ext>
+            </a:extLst>
+          </p:cNvPr>
+          <p:cNvSpPr/>
+          <p:nvPr/>
+        </p:nvSpPr>
+        <p:spPr>
+          <a:xfrm>
+            <a:off x="6459522" y="587213"/>
+            <a:ext cx="1652632" cy="2994885"/>
           </a:xfrm>
           <a:prstGeom prst="rect">
             <a:avLst/>
           </a:prstGeom>
           <a:solidFill>
-            <a:schemeClr val="accent6">
-              <a:alpha val="64000"/>
+            <a:schemeClr val="accent4">
+              <a:lumMod val="75000"/>
             </a:schemeClr>
           </a:solidFill>
         </p:spPr>
@@ -4479,15 +4921,273 @@
             <a:pPr algn="ctr"/>
             <a:r>
               <a:rPr lang="es-EC" dirty="0"/>
-              <a:t>ASSETS 78</a:t>
-            </a:r>
+              <a:t>ESTILO (CSS, SCSS, SASS, LESS)</a:t>
+            </a:r>
+          </a:p>
+          <a:p>
+            <a:pPr algn="ctr"/>
+            <a:endParaRPr lang="es-EC" dirty="0"/>
+          </a:p>
+          <a:p>
+            <a:pPr algn="ctr"/>
+            <a:r>
+              <a:rPr lang="es-EC" dirty="0" err="1"/>
+              <a:t>Eq</a:t>
+            </a:r>
+            <a:r>
+              <a:rPr lang="es-EC" dirty="0"/>
+              <a:t>. CSS</a:t>
+            </a:r>
+          </a:p>
+        </p:txBody>
+      </p:sp>
+      <p:sp>
+        <p:nvSpPr>
+          <p:cNvPr id="8" name="Flecha: a la izquierda y derecha 7">
+            <a:extLst>
+              <a:ext uri="{FF2B5EF4-FFF2-40B4-BE49-F238E27FC236}">
+                <a16:creationId xmlns:a16="http://schemas.microsoft.com/office/drawing/2014/main" id="{3EC5DCE3-84AC-434D-BBE4-EEF6D5280BDF}"/>
+              </a:ext>
+            </a:extLst>
+          </p:cNvPr>
+          <p:cNvSpPr/>
+          <p:nvPr/>
+        </p:nvSpPr>
+        <p:spPr>
+          <a:xfrm>
+            <a:off x="2526484" y="3678366"/>
+            <a:ext cx="402672" cy="243281"/>
+          </a:xfrm>
+          <a:prstGeom prst="leftRightArrow">
+            <a:avLst/>
+          </a:prstGeom>
+        </p:spPr>
+        <p:style>
+          <a:lnRef idx="2">
+            <a:schemeClr val="accent2">
+              <a:shade val="50000"/>
+            </a:schemeClr>
+          </a:lnRef>
+          <a:fillRef idx="1">
+            <a:schemeClr val="accent2"/>
+          </a:fillRef>
+          <a:effectRef idx="0">
+            <a:schemeClr val="accent2"/>
+          </a:effectRef>
+          <a:fontRef idx="minor">
+            <a:schemeClr val="lt1"/>
+          </a:fontRef>
+        </p:style>
+        <p:txBody>
+          <a:bodyPr rtlCol="0" anchor="ctr"/>
+          <a:lstStyle/>
+          <a:p>
+            <a:pPr algn="ctr"/>
+            <a:endParaRPr lang="es-EC"/>
+          </a:p>
+        </p:txBody>
+      </p:sp>
+      <p:sp>
+        <p:nvSpPr>
+          <p:cNvPr id="21" name="Rectángulo 20">
+            <a:extLst>
+              <a:ext uri="{FF2B5EF4-FFF2-40B4-BE49-F238E27FC236}">
+                <a16:creationId xmlns:a16="http://schemas.microsoft.com/office/drawing/2014/main" id="{A8DB728B-F74F-4BDD-A56A-5E07E96F289B}"/>
+              </a:ext>
+            </a:extLst>
+          </p:cNvPr>
+          <p:cNvSpPr/>
+          <p:nvPr/>
+        </p:nvSpPr>
+        <p:spPr>
+          <a:xfrm>
+            <a:off x="6258186" y="4064220"/>
+            <a:ext cx="1853967" cy="2009409"/>
+          </a:xfrm>
+          <a:prstGeom prst="rect">
+            <a:avLst/>
+          </a:prstGeom>
+        </p:spPr>
+        <p:style>
+          <a:lnRef idx="2">
+            <a:schemeClr val="accent1">
+              <a:shade val="50000"/>
+            </a:schemeClr>
+          </a:lnRef>
+          <a:fillRef idx="1">
+            <a:schemeClr val="accent1"/>
+          </a:fillRef>
+          <a:effectRef idx="0">
+            <a:schemeClr val="accent1"/>
+          </a:effectRef>
+          <a:fontRef idx="minor">
+            <a:schemeClr val="lt1"/>
+          </a:fontRef>
+        </p:style>
+        <p:txBody>
+          <a:bodyPr rtlCol="0" anchor="b"/>
+          <a:lstStyle/>
+          <a:p>
+            <a:pPr algn="ctr"/>
+            <a:r>
+              <a:rPr lang="es-EC" dirty="0"/>
+              <a:t>MÓDULO (proveedores, exportaciones, importaciones)</a:t>
+            </a:r>
+          </a:p>
+        </p:txBody>
+      </p:sp>
+      <p:sp>
+        <p:nvSpPr>
+          <p:cNvPr id="23" name="Flecha: hacia arriba 22">
+            <a:extLst>
+              <a:ext uri="{FF2B5EF4-FFF2-40B4-BE49-F238E27FC236}">
+                <a16:creationId xmlns:a16="http://schemas.microsoft.com/office/drawing/2014/main" id="{07AF7ED3-CCF5-42E9-B282-BB0819B278B1}"/>
+              </a:ext>
+            </a:extLst>
+          </p:cNvPr>
+          <p:cNvSpPr/>
+          <p:nvPr/>
+        </p:nvSpPr>
+        <p:spPr>
+          <a:xfrm>
+            <a:off x="7533314" y="3799979"/>
+            <a:ext cx="343948" cy="467193"/>
+          </a:xfrm>
+          <a:prstGeom prst="upArrow">
+            <a:avLst/>
+          </a:prstGeom>
+        </p:spPr>
+        <p:style>
+          <a:lnRef idx="2">
+            <a:schemeClr val="accent6">
+              <a:shade val="50000"/>
+            </a:schemeClr>
+          </a:lnRef>
+          <a:fillRef idx="1">
+            <a:schemeClr val="accent6"/>
+          </a:fillRef>
+          <a:effectRef idx="0">
+            <a:schemeClr val="accent6"/>
+          </a:effectRef>
+          <a:fontRef idx="minor">
+            <a:schemeClr val="lt1"/>
+          </a:fontRef>
+        </p:style>
+        <p:txBody>
+          <a:bodyPr rtlCol="0" anchor="ctr"/>
+          <a:lstStyle/>
+          <a:p>
+            <a:pPr algn="ctr"/>
+            <a:endParaRPr lang="es-EC"/>
+          </a:p>
+        </p:txBody>
+      </p:sp>
+      <p:sp>
+        <p:nvSpPr>
+          <p:cNvPr id="24" name="Rectángulo 23">
+            <a:extLst>
+              <a:ext uri="{FF2B5EF4-FFF2-40B4-BE49-F238E27FC236}">
+                <a16:creationId xmlns:a16="http://schemas.microsoft.com/office/drawing/2014/main" id="{DA8805D2-98CE-4D88-8176-FCEBB4C3BF21}"/>
+              </a:ext>
+            </a:extLst>
+          </p:cNvPr>
+          <p:cNvSpPr/>
+          <p:nvPr/>
+        </p:nvSpPr>
+        <p:spPr>
+          <a:xfrm>
+            <a:off x="2796330" y="4055859"/>
+            <a:ext cx="3394745" cy="2009409"/>
+          </a:xfrm>
+          <a:prstGeom prst="rect">
+            <a:avLst/>
+          </a:prstGeom>
+        </p:spPr>
+        <p:style>
+          <a:lnRef idx="2">
+            <a:schemeClr val="accent1">
+              <a:shade val="50000"/>
+            </a:schemeClr>
+          </a:lnRef>
+          <a:fillRef idx="1">
+            <a:schemeClr val="accent1"/>
+          </a:fillRef>
+          <a:effectRef idx="0">
+            <a:schemeClr val="accent1"/>
+          </a:effectRef>
+          <a:fontRef idx="minor">
+            <a:schemeClr val="lt1"/>
+          </a:fontRef>
+        </p:style>
+        <p:txBody>
+          <a:bodyPr rtlCol="0" anchor="b"/>
+          <a:lstStyle/>
+          <a:p>
+            <a:pPr algn="ctr"/>
+            <a:r>
+              <a:rPr lang="es-EC" dirty="0"/>
+              <a:t>RUTEADOR – Navegación a componentes hijas</a:t>
+            </a:r>
+          </a:p>
+        </p:txBody>
+      </p:sp>
+      <p:sp>
+        <p:nvSpPr>
+          <p:cNvPr id="25" name="Flecha: hacia arriba 24">
+            <a:extLst>
+              <a:ext uri="{FF2B5EF4-FFF2-40B4-BE49-F238E27FC236}">
+                <a16:creationId xmlns:a16="http://schemas.microsoft.com/office/drawing/2014/main" id="{A5BA4D9C-9F6C-4295-9B63-8C0DCE41CE13}"/>
+              </a:ext>
+            </a:extLst>
+          </p:cNvPr>
+          <p:cNvSpPr/>
+          <p:nvPr/>
+        </p:nvSpPr>
+        <p:spPr>
+          <a:xfrm>
+            <a:off x="3545746" y="3760412"/>
+            <a:ext cx="343948" cy="467193"/>
+          </a:xfrm>
+          <a:prstGeom prst="upArrow">
+            <a:avLst/>
+          </a:prstGeom>
+          <a:solidFill>
+            <a:schemeClr val="accent4">
+              <a:lumMod val="60000"/>
+              <a:lumOff val="40000"/>
+              <a:alpha val="65000"/>
+            </a:schemeClr>
+          </a:solidFill>
+        </p:spPr>
+        <p:style>
+          <a:lnRef idx="2">
+            <a:schemeClr val="accent6">
+              <a:shade val="50000"/>
+            </a:schemeClr>
+          </a:lnRef>
+          <a:fillRef idx="1">
+            <a:schemeClr val="accent6"/>
+          </a:fillRef>
+          <a:effectRef idx="0">
+            <a:schemeClr val="accent6"/>
+          </a:effectRef>
+          <a:fontRef idx="minor">
+            <a:schemeClr val="lt1"/>
+          </a:fontRef>
+        </p:style>
+        <p:txBody>
+          <a:bodyPr rtlCol="0" anchor="ctr"/>
+          <a:lstStyle/>
+          <a:p>
+            <a:pPr algn="ctr"/>
+            <a:endParaRPr lang="es-EC"/>
           </a:p>
         </p:txBody>
       </p:sp>
     </p:spTree>
     <p:extLst>
       <p:ext uri="{BB962C8B-B14F-4D97-AF65-F5344CB8AC3E}">
-        <p14:creationId xmlns:p14="http://schemas.microsoft.com/office/powerpoint/2010/main" val="1089199657"/>
+        <p14:creationId xmlns:p14="http://schemas.microsoft.com/office/powerpoint/2010/main" val="4150502248"/>
       </p:ext>
     </p:extLst>
   </p:cSld>

--- a/Arquitectura.pptx
+++ b/Arquitectura.pptx
@@ -8,6 +8,7 @@
     <p:sldId id="256" r:id="rId2"/>
     <p:sldId id="257" r:id="rId3"/>
     <p:sldId id="258" r:id="rId4"/>
+    <p:sldId id="259" r:id="rId5"/>
   </p:sldIdLst>
   <p:sldSz cx="12192000" cy="6858000"/>
   <p:notesSz cx="6858000" cy="9144000"/>
@@ -364,7 +365,7 @@
           <a:p>
             <a:fld id="{D08394F6-24A6-437E-9DA0-7932DA0321EE}" type="datetimeFigureOut">
               <a:rPr lang="es-EC" smtClean="0"/>
-              <a:t>1/12/2021</a:t>
+              <a:t>2/12/2021</a:t>
             </a:fld>
             <a:endParaRPr lang="es-EC"/>
           </a:p>
@@ -564,7 +565,7 @@
           <a:p>
             <a:fld id="{D08394F6-24A6-437E-9DA0-7932DA0321EE}" type="datetimeFigureOut">
               <a:rPr lang="es-EC" smtClean="0"/>
-              <a:t>1/12/2021</a:t>
+              <a:t>2/12/2021</a:t>
             </a:fld>
             <a:endParaRPr lang="es-EC"/>
           </a:p>
@@ -774,7 +775,7 @@
           <a:p>
             <a:fld id="{D08394F6-24A6-437E-9DA0-7932DA0321EE}" type="datetimeFigureOut">
               <a:rPr lang="es-EC" smtClean="0"/>
-              <a:t>1/12/2021</a:t>
+              <a:t>2/12/2021</a:t>
             </a:fld>
             <a:endParaRPr lang="es-EC"/>
           </a:p>
@@ -974,7 +975,7 @@
           <a:p>
             <a:fld id="{D08394F6-24A6-437E-9DA0-7932DA0321EE}" type="datetimeFigureOut">
               <a:rPr lang="es-EC" smtClean="0"/>
-              <a:t>1/12/2021</a:t>
+              <a:t>2/12/2021</a:t>
             </a:fld>
             <a:endParaRPr lang="es-EC"/>
           </a:p>
@@ -1250,7 +1251,7 @@
           <a:p>
             <a:fld id="{D08394F6-24A6-437E-9DA0-7932DA0321EE}" type="datetimeFigureOut">
               <a:rPr lang="es-EC" smtClean="0"/>
-              <a:t>1/12/2021</a:t>
+              <a:t>2/12/2021</a:t>
             </a:fld>
             <a:endParaRPr lang="es-EC"/>
           </a:p>
@@ -1518,7 +1519,7 @@
           <a:p>
             <a:fld id="{D08394F6-24A6-437E-9DA0-7932DA0321EE}" type="datetimeFigureOut">
               <a:rPr lang="es-EC" smtClean="0"/>
-              <a:t>1/12/2021</a:t>
+              <a:t>2/12/2021</a:t>
             </a:fld>
             <a:endParaRPr lang="es-EC"/>
           </a:p>
@@ -1933,7 +1934,7 @@
           <a:p>
             <a:fld id="{D08394F6-24A6-437E-9DA0-7932DA0321EE}" type="datetimeFigureOut">
               <a:rPr lang="es-EC" smtClean="0"/>
-              <a:t>1/12/2021</a:t>
+              <a:t>2/12/2021</a:t>
             </a:fld>
             <a:endParaRPr lang="es-EC"/>
           </a:p>
@@ -2075,7 +2076,7 @@
           <a:p>
             <a:fld id="{D08394F6-24A6-437E-9DA0-7932DA0321EE}" type="datetimeFigureOut">
               <a:rPr lang="es-EC" smtClean="0"/>
-              <a:t>1/12/2021</a:t>
+              <a:t>2/12/2021</a:t>
             </a:fld>
             <a:endParaRPr lang="es-EC"/>
           </a:p>
@@ -2188,7 +2189,7 @@
           <a:p>
             <a:fld id="{D08394F6-24A6-437E-9DA0-7932DA0321EE}" type="datetimeFigureOut">
               <a:rPr lang="es-EC" smtClean="0"/>
-              <a:t>1/12/2021</a:t>
+              <a:t>2/12/2021</a:t>
             </a:fld>
             <a:endParaRPr lang="es-EC"/>
           </a:p>
@@ -2501,7 +2502,7 @@
           <a:p>
             <a:fld id="{D08394F6-24A6-437E-9DA0-7932DA0321EE}" type="datetimeFigureOut">
               <a:rPr lang="es-EC" smtClean="0"/>
-              <a:t>1/12/2021</a:t>
+              <a:t>2/12/2021</a:t>
             </a:fld>
             <a:endParaRPr lang="es-EC"/>
           </a:p>
@@ -2790,7 +2791,7 @@
           <a:p>
             <a:fld id="{D08394F6-24A6-437E-9DA0-7932DA0321EE}" type="datetimeFigureOut">
               <a:rPr lang="es-EC" smtClean="0"/>
-              <a:t>1/12/2021</a:t>
+              <a:t>2/12/2021</a:t>
             </a:fld>
             <a:endParaRPr lang="es-EC"/>
           </a:p>
@@ -3033,7 +3034,7 @@
           <a:p>
             <a:fld id="{D08394F6-24A6-437E-9DA0-7932DA0321EE}" type="datetimeFigureOut">
               <a:rPr lang="es-EC" smtClean="0"/>
-              <a:t>1/12/2021</a:t>
+              <a:t>2/12/2021</a:t>
             </a:fld>
             <a:endParaRPr lang="es-EC"/>
           </a:p>
@@ -5197,6 +5198,520 @@
 </p:sld>
 </file>
 
+<file path=ppt/slides/slide4.xml><?xml version="1.0" encoding="utf-8"?>
+<p:sld xmlns:a="http://schemas.openxmlformats.org/drawingml/2006/main" xmlns:r="http://schemas.openxmlformats.org/officeDocument/2006/relationships" xmlns:p="http://schemas.openxmlformats.org/presentationml/2006/main">
+  <p:cSld>
+    <p:spTree>
+      <p:nvGrpSpPr>
+        <p:cNvPr id="1" name=""/>
+        <p:cNvGrpSpPr/>
+        <p:nvPr/>
+      </p:nvGrpSpPr>
+      <p:grpSpPr>
+        <a:xfrm>
+          <a:off x="0" y="0"/>
+          <a:ext cx="0" cy="0"/>
+          <a:chOff x="0" y="0"/>
+          <a:chExt cx="0" cy="0"/>
+        </a:xfrm>
+      </p:grpSpPr>
+      <p:sp>
+        <p:nvSpPr>
+          <p:cNvPr id="7" name="Rectángulo 6">
+            <a:extLst>
+              <a:ext uri="{FF2B5EF4-FFF2-40B4-BE49-F238E27FC236}">
+                <a16:creationId xmlns:a16="http://schemas.microsoft.com/office/drawing/2014/main" id="{3A135BC1-7904-49D7-A816-84BA13D273CE}"/>
+              </a:ext>
+            </a:extLst>
+          </p:cNvPr>
+          <p:cNvSpPr/>
+          <p:nvPr/>
+        </p:nvSpPr>
+        <p:spPr>
+          <a:xfrm>
+            <a:off x="4053281" y="3885499"/>
+            <a:ext cx="3431098" cy="2902591"/>
+          </a:xfrm>
+          <a:prstGeom prst="rect">
+            <a:avLst/>
+          </a:prstGeom>
+        </p:spPr>
+        <p:style>
+          <a:lnRef idx="2">
+            <a:schemeClr val="accent1">
+              <a:shade val="50000"/>
+            </a:schemeClr>
+          </a:lnRef>
+          <a:fillRef idx="1">
+            <a:schemeClr val="accent1"/>
+          </a:fillRef>
+          <a:effectRef idx="0">
+            <a:schemeClr val="accent1"/>
+          </a:effectRef>
+          <a:fontRef idx="minor">
+            <a:schemeClr val="lt1"/>
+          </a:fontRef>
+        </p:style>
+        <p:txBody>
+          <a:bodyPr rtlCol="0" anchor="ctr"/>
+          <a:lstStyle/>
+          <a:p>
+            <a:pPr algn="ctr"/>
+            <a:r>
+              <a:rPr lang="es-EC" dirty="0"/>
+              <a:t>PÁGINA PANTALLA COMPLETA</a:t>
+            </a:r>
+          </a:p>
+        </p:txBody>
+      </p:sp>
+      <p:sp>
+        <p:nvSpPr>
+          <p:cNvPr id="4" name="Rectángulo 3">
+            <a:extLst>
+              <a:ext uri="{FF2B5EF4-FFF2-40B4-BE49-F238E27FC236}">
+                <a16:creationId xmlns:a16="http://schemas.microsoft.com/office/drawing/2014/main" id="{09CE6DEF-6ACC-4B55-819A-C096EA23B562}"/>
+              </a:ext>
+            </a:extLst>
+          </p:cNvPr>
+          <p:cNvSpPr/>
+          <p:nvPr/>
+        </p:nvSpPr>
+        <p:spPr>
+          <a:xfrm>
+            <a:off x="511728" y="830509"/>
+            <a:ext cx="3431098" cy="2902591"/>
+          </a:xfrm>
+          <a:prstGeom prst="rect">
+            <a:avLst/>
+          </a:prstGeom>
+        </p:spPr>
+        <p:style>
+          <a:lnRef idx="2">
+            <a:schemeClr val="accent1">
+              <a:shade val="50000"/>
+            </a:schemeClr>
+          </a:lnRef>
+          <a:fillRef idx="1">
+            <a:schemeClr val="accent1"/>
+          </a:fillRef>
+          <a:effectRef idx="0">
+            <a:schemeClr val="accent1"/>
+          </a:effectRef>
+          <a:fontRef idx="minor">
+            <a:schemeClr val="lt1"/>
+          </a:fontRef>
+        </p:style>
+        <p:txBody>
+          <a:bodyPr rtlCol="0" anchor="ctr"/>
+          <a:lstStyle/>
+          <a:p>
+            <a:pPr algn="ctr"/>
+            <a:r>
+              <a:rPr lang="es-EC" dirty="0"/>
+              <a:t>APP</a:t>
+            </a:r>
+          </a:p>
+        </p:txBody>
+      </p:sp>
+      <p:sp>
+        <p:nvSpPr>
+          <p:cNvPr id="5" name="Rectángulo 4">
+            <a:extLst>
+              <a:ext uri="{FF2B5EF4-FFF2-40B4-BE49-F238E27FC236}">
+                <a16:creationId xmlns:a16="http://schemas.microsoft.com/office/drawing/2014/main" id="{F1461A9B-8F03-4A9D-8619-A01A2EBA383B}"/>
+              </a:ext>
+            </a:extLst>
+          </p:cNvPr>
+          <p:cNvSpPr/>
+          <p:nvPr/>
+        </p:nvSpPr>
+        <p:spPr>
+          <a:xfrm>
+            <a:off x="4053281" y="830508"/>
+            <a:ext cx="3431098" cy="2902591"/>
+          </a:xfrm>
+          <a:prstGeom prst="rect">
+            <a:avLst/>
+          </a:prstGeom>
+        </p:spPr>
+        <p:style>
+          <a:lnRef idx="2">
+            <a:schemeClr val="accent1">
+              <a:shade val="50000"/>
+            </a:schemeClr>
+          </a:lnRef>
+          <a:fillRef idx="1">
+            <a:schemeClr val="accent1"/>
+          </a:fillRef>
+          <a:effectRef idx="0">
+            <a:schemeClr val="accent1"/>
+          </a:effectRef>
+          <a:fontRef idx="minor">
+            <a:schemeClr val="lt1"/>
+          </a:fontRef>
+        </p:style>
+        <p:txBody>
+          <a:bodyPr rtlCol="0" anchor="ctr"/>
+          <a:lstStyle/>
+          <a:p>
+            <a:pPr algn="ctr"/>
+            <a:r>
+              <a:rPr lang="es-EC" dirty="0"/>
+              <a:t>PÁGINA PANTALLA COMPLETA</a:t>
+            </a:r>
+          </a:p>
+        </p:txBody>
+      </p:sp>
+      <p:sp>
+        <p:nvSpPr>
+          <p:cNvPr id="6" name="Rectángulo 5">
+            <a:extLst>
+              <a:ext uri="{FF2B5EF4-FFF2-40B4-BE49-F238E27FC236}">
+                <a16:creationId xmlns:a16="http://schemas.microsoft.com/office/drawing/2014/main" id="{7F989D6F-F523-404B-800D-723EDCA2DB43}"/>
+              </a:ext>
+            </a:extLst>
+          </p:cNvPr>
+          <p:cNvSpPr/>
+          <p:nvPr/>
+        </p:nvSpPr>
+        <p:spPr>
+          <a:xfrm>
+            <a:off x="4957893" y="4320331"/>
+            <a:ext cx="2526485" cy="2467760"/>
+          </a:xfrm>
+          <a:prstGeom prst="rect">
+            <a:avLst/>
+          </a:prstGeom>
+        </p:spPr>
+        <p:style>
+          <a:lnRef idx="2">
+            <a:schemeClr val="accent1">
+              <a:shade val="50000"/>
+            </a:schemeClr>
+          </a:lnRef>
+          <a:fillRef idx="1">
+            <a:schemeClr val="accent1"/>
+          </a:fillRef>
+          <a:effectRef idx="0">
+            <a:schemeClr val="accent1"/>
+          </a:effectRef>
+          <a:fontRef idx="minor">
+            <a:schemeClr val="lt1"/>
+          </a:fontRef>
+        </p:style>
+        <p:txBody>
+          <a:bodyPr rtlCol="0" anchor="ctr"/>
+          <a:lstStyle/>
+          <a:p>
+            <a:pPr algn="ctr"/>
+            <a:r>
+              <a:rPr lang="es-EC" dirty="0"/>
+              <a:t>SUBPAGINAS</a:t>
+            </a:r>
+          </a:p>
+        </p:txBody>
+      </p:sp>
+      <p:sp>
+        <p:nvSpPr>
+          <p:cNvPr id="8" name="Rectángulo 7">
+            <a:extLst>
+              <a:ext uri="{FF2B5EF4-FFF2-40B4-BE49-F238E27FC236}">
+                <a16:creationId xmlns:a16="http://schemas.microsoft.com/office/drawing/2014/main" id="{58D408E9-39ED-4D34-B6EB-60E1E879EB91}"/>
+              </a:ext>
+            </a:extLst>
+          </p:cNvPr>
+          <p:cNvSpPr/>
+          <p:nvPr/>
+        </p:nvSpPr>
+        <p:spPr>
+          <a:xfrm>
+            <a:off x="4053281" y="3885499"/>
+            <a:ext cx="3431097" cy="434831"/>
+          </a:xfrm>
+          <a:prstGeom prst="rect">
+            <a:avLst/>
+          </a:prstGeom>
+        </p:spPr>
+        <p:style>
+          <a:lnRef idx="2">
+            <a:schemeClr val="accent1">
+              <a:shade val="50000"/>
+            </a:schemeClr>
+          </a:lnRef>
+          <a:fillRef idx="1">
+            <a:schemeClr val="accent1"/>
+          </a:fillRef>
+          <a:effectRef idx="0">
+            <a:schemeClr val="accent1"/>
+          </a:effectRef>
+          <a:fontRef idx="minor">
+            <a:schemeClr val="lt1"/>
+          </a:fontRef>
+        </p:style>
+        <p:txBody>
+          <a:bodyPr rtlCol="0" anchor="ctr"/>
+          <a:lstStyle/>
+          <a:p>
+            <a:pPr algn="ctr"/>
+            <a:endParaRPr lang="es-EC"/>
+          </a:p>
+        </p:txBody>
+      </p:sp>
+      <p:sp>
+        <p:nvSpPr>
+          <p:cNvPr id="9" name="Rectángulo 8">
+            <a:extLst>
+              <a:ext uri="{FF2B5EF4-FFF2-40B4-BE49-F238E27FC236}">
+                <a16:creationId xmlns:a16="http://schemas.microsoft.com/office/drawing/2014/main" id="{0EFF3909-175A-4C14-9B03-A8F4BEE45AF2}"/>
+              </a:ext>
+            </a:extLst>
+          </p:cNvPr>
+          <p:cNvSpPr/>
+          <p:nvPr/>
+        </p:nvSpPr>
+        <p:spPr>
+          <a:xfrm>
+            <a:off x="4053280" y="4320330"/>
+            <a:ext cx="904613" cy="2467760"/>
+          </a:xfrm>
+          <a:prstGeom prst="rect">
+            <a:avLst/>
+          </a:prstGeom>
+        </p:spPr>
+        <p:style>
+          <a:lnRef idx="2">
+            <a:schemeClr val="accent1">
+              <a:shade val="50000"/>
+            </a:schemeClr>
+          </a:lnRef>
+          <a:fillRef idx="1">
+            <a:schemeClr val="accent1"/>
+          </a:fillRef>
+          <a:effectRef idx="0">
+            <a:schemeClr val="accent1"/>
+          </a:effectRef>
+          <a:fontRef idx="minor">
+            <a:schemeClr val="lt1"/>
+          </a:fontRef>
+        </p:style>
+        <p:txBody>
+          <a:bodyPr rtlCol="0" anchor="ctr"/>
+          <a:lstStyle/>
+          <a:p>
+            <a:pPr algn="ctr"/>
+            <a:endParaRPr lang="es-EC"/>
+          </a:p>
+        </p:txBody>
+      </p:sp>
+      <p:sp>
+        <p:nvSpPr>
+          <p:cNvPr id="10" name="Rectángulo 9">
+            <a:extLst>
+              <a:ext uri="{FF2B5EF4-FFF2-40B4-BE49-F238E27FC236}">
+                <a16:creationId xmlns:a16="http://schemas.microsoft.com/office/drawing/2014/main" id="{E55FB0AF-3B55-484B-ACDB-1F54061AFB89}"/>
+              </a:ext>
+            </a:extLst>
+          </p:cNvPr>
+          <p:cNvSpPr/>
+          <p:nvPr/>
+        </p:nvSpPr>
+        <p:spPr>
+          <a:xfrm>
+            <a:off x="7694102" y="3885499"/>
+            <a:ext cx="1508621" cy="1223396"/>
+          </a:xfrm>
+          <a:prstGeom prst="rect">
+            <a:avLst/>
+          </a:prstGeom>
+        </p:spPr>
+        <p:style>
+          <a:lnRef idx="2">
+            <a:schemeClr val="accent1">
+              <a:shade val="50000"/>
+            </a:schemeClr>
+          </a:lnRef>
+          <a:fillRef idx="1">
+            <a:schemeClr val="accent1"/>
+          </a:fillRef>
+          <a:effectRef idx="0">
+            <a:schemeClr val="accent1"/>
+          </a:effectRef>
+          <a:fontRef idx="minor">
+            <a:schemeClr val="lt1"/>
+          </a:fontRef>
+        </p:style>
+        <p:txBody>
+          <a:bodyPr rtlCol="0" anchor="ctr"/>
+          <a:lstStyle/>
+          <a:p>
+            <a:pPr algn="ctr"/>
+            <a:r>
+              <a:rPr lang="es-EC" dirty="0"/>
+              <a:t>SUBPAGINAS</a:t>
+            </a:r>
+          </a:p>
+        </p:txBody>
+      </p:sp>
+      <p:sp>
+        <p:nvSpPr>
+          <p:cNvPr id="11" name="Rectángulo 10">
+            <a:extLst>
+              <a:ext uri="{FF2B5EF4-FFF2-40B4-BE49-F238E27FC236}">
+                <a16:creationId xmlns:a16="http://schemas.microsoft.com/office/drawing/2014/main" id="{9EA4A1FE-C2A4-4F45-96E3-EC64A3B0CEA2}"/>
+              </a:ext>
+            </a:extLst>
+          </p:cNvPr>
+          <p:cNvSpPr/>
+          <p:nvPr/>
+        </p:nvSpPr>
+        <p:spPr>
+          <a:xfrm>
+            <a:off x="7694102" y="5328405"/>
+            <a:ext cx="1508621" cy="1223396"/>
+          </a:xfrm>
+          <a:prstGeom prst="rect">
+            <a:avLst/>
+          </a:prstGeom>
+        </p:spPr>
+        <p:style>
+          <a:lnRef idx="2">
+            <a:schemeClr val="accent1">
+              <a:shade val="50000"/>
+            </a:schemeClr>
+          </a:lnRef>
+          <a:fillRef idx="1">
+            <a:schemeClr val="accent1"/>
+          </a:fillRef>
+          <a:effectRef idx="0">
+            <a:schemeClr val="accent1"/>
+          </a:effectRef>
+          <a:fontRef idx="minor">
+            <a:schemeClr val="lt1"/>
+          </a:fontRef>
+        </p:style>
+        <p:txBody>
+          <a:bodyPr rtlCol="0" anchor="ctr"/>
+          <a:lstStyle/>
+          <a:p>
+            <a:pPr algn="ctr"/>
+            <a:r>
+              <a:rPr lang="es-EC" dirty="0"/>
+              <a:t>SUBPAGINAS</a:t>
+            </a:r>
+          </a:p>
+        </p:txBody>
+      </p:sp>
+      <p:sp>
+        <p:nvSpPr>
+          <p:cNvPr id="12" name="Rectángulo 11">
+            <a:extLst>
+              <a:ext uri="{FF2B5EF4-FFF2-40B4-BE49-F238E27FC236}">
+                <a16:creationId xmlns:a16="http://schemas.microsoft.com/office/drawing/2014/main" id="{C1EE8B80-6674-412A-B99C-DEAF1A58D074}"/>
+              </a:ext>
+            </a:extLst>
+          </p:cNvPr>
+          <p:cNvSpPr/>
+          <p:nvPr/>
+        </p:nvSpPr>
+        <p:spPr>
+          <a:xfrm>
+            <a:off x="4639111" y="6027492"/>
+            <a:ext cx="2021747" cy="636168"/>
+          </a:xfrm>
+          <a:prstGeom prst="rect">
+            <a:avLst/>
+          </a:prstGeom>
+        </p:spPr>
+        <p:style>
+          <a:lnRef idx="2">
+            <a:schemeClr val="accent4">
+              <a:shade val="50000"/>
+            </a:schemeClr>
+          </a:lnRef>
+          <a:fillRef idx="1">
+            <a:schemeClr val="accent4"/>
+          </a:fillRef>
+          <a:effectRef idx="0">
+            <a:schemeClr val="accent4"/>
+          </a:effectRef>
+          <a:fontRef idx="minor">
+            <a:schemeClr val="lt1"/>
+          </a:fontRef>
+        </p:style>
+        <p:txBody>
+          <a:bodyPr rtlCol="0" anchor="ctr"/>
+          <a:lstStyle/>
+          <a:p>
+            <a:pPr algn="ctr"/>
+            <a:r>
+              <a:rPr lang="es-EC" dirty="0"/>
+              <a:t>LAYOUT</a:t>
+            </a:r>
+          </a:p>
+        </p:txBody>
+      </p:sp>
+      <p:sp>
+        <p:nvSpPr>
+          <p:cNvPr id="14" name="Rectángulo 13">
+            <a:extLst>
+              <a:ext uri="{FF2B5EF4-FFF2-40B4-BE49-F238E27FC236}">
+                <a16:creationId xmlns:a16="http://schemas.microsoft.com/office/drawing/2014/main" id="{8F2236D0-CAF0-4C1A-8923-D248504FCF1F}"/>
+              </a:ext>
+            </a:extLst>
+          </p:cNvPr>
+          <p:cNvSpPr/>
+          <p:nvPr/>
+        </p:nvSpPr>
+        <p:spPr>
+          <a:xfrm>
+            <a:off x="7771002" y="830507"/>
+            <a:ext cx="3431098" cy="2902591"/>
+          </a:xfrm>
+          <a:prstGeom prst="rect">
+            <a:avLst/>
+          </a:prstGeom>
+        </p:spPr>
+        <p:style>
+          <a:lnRef idx="2">
+            <a:schemeClr val="accent1">
+              <a:shade val="50000"/>
+            </a:schemeClr>
+          </a:lnRef>
+          <a:fillRef idx="1">
+            <a:schemeClr val="accent1"/>
+          </a:fillRef>
+          <a:effectRef idx="0">
+            <a:schemeClr val="accent1"/>
+          </a:effectRef>
+          <a:fontRef idx="minor">
+            <a:schemeClr val="lt1"/>
+          </a:fontRef>
+        </p:style>
+        <p:txBody>
+          <a:bodyPr rtlCol="0" anchor="ctr"/>
+          <a:lstStyle/>
+          <a:p>
+            <a:pPr algn="ctr"/>
+            <a:r>
+              <a:rPr lang="es-EC" dirty="0"/>
+              <a:t>LOGIN</a:t>
+            </a:r>
+          </a:p>
+        </p:txBody>
+      </p:sp>
+    </p:spTree>
+    <p:extLst>
+      <p:ext uri="{BB962C8B-B14F-4D97-AF65-F5344CB8AC3E}">
+        <p14:creationId xmlns:p14="http://schemas.microsoft.com/office/powerpoint/2010/main" val="112468682"/>
+      </p:ext>
+    </p:extLst>
+  </p:cSld>
+  <p:clrMapOvr>
+    <a:masterClrMapping/>
+  </p:clrMapOvr>
+</p:sld>
+</file>
+
 <file path=ppt/theme/theme1.xml><?xml version="1.0" encoding="utf-8"?>
 <a:theme xmlns:a="http://schemas.openxmlformats.org/drawingml/2006/main" name="Tema de Office">
   <a:themeElements>

--- a/Arquitectura.pptx
+++ b/Arquitectura.pptx
@@ -365,7 +365,7 @@
           <a:p>
             <a:fld id="{D08394F6-24A6-437E-9DA0-7932DA0321EE}" type="datetimeFigureOut">
               <a:rPr lang="es-EC" smtClean="0"/>
-              <a:t>2/12/2021</a:t>
+              <a:t>3/12/2021</a:t>
             </a:fld>
             <a:endParaRPr lang="es-EC"/>
           </a:p>
@@ -565,7 +565,7 @@
           <a:p>
             <a:fld id="{D08394F6-24A6-437E-9DA0-7932DA0321EE}" type="datetimeFigureOut">
               <a:rPr lang="es-EC" smtClean="0"/>
-              <a:t>2/12/2021</a:t>
+              <a:t>3/12/2021</a:t>
             </a:fld>
             <a:endParaRPr lang="es-EC"/>
           </a:p>
@@ -775,7 +775,7 @@
           <a:p>
             <a:fld id="{D08394F6-24A6-437E-9DA0-7932DA0321EE}" type="datetimeFigureOut">
               <a:rPr lang="es-EC" smtClean="0"/>
-              <a:t>2/12/2021</a:t>
+              <a:t>3/12/2021</a:t>
             </a:fld>
             <a:endParaRPr lang="es-EC"/>
           </a:p>
@@ -975,7 +975,7 @@
           <a:p>
             <a:fld id="{D08394F6-24A6-437E-9DA0-7932DA0321EE}" type="datetimeFigureOut">
               <a:rPr lang="es-EC" smtClean="0"/>
-              <a:t>2/12/2021</a:t>
+              <a:t>3/12/2021</a:t>
             </a:fld>
             <a:endParaRPr lang="es-EC"/>
           </a:p>
@@ -1251,7 +1251,7 @@
           <a:p>
             <a:fld id="{D08394F6-24A6-437E-9DA0-7932DA0321EE}" type="datetimeFigureOut">
               <a:rPr lang="es-EC" smtClean="0"/>
-              <a:t>2/12/2021</a:t>
+              <a:t>3/12/2021</a:t>
             </a:fld>
             <a:endParaRPr lang="es-EC"/>
           </a:p>
@@ -1519,7 +1519,7 @@
           <a:p>
             <a:fld id="{D08394F6-24A6-437E-9DA0-7932DA0321EE}" type="datetimeFigureOut">
               <a:rPr lang="es-EC" smtClean="0"/>
-              <a:t>2/12/2021</a:t>
+              <a:t>3/12/2021</a:t>
             </a:fld>
             <a:endParaRPr lang="es-EC"/>
           </a:p>
@@ -1934,7 +1934,7 @@
           <a:p>
             <a:fld id="{D08394F6-24A6-437E-9DA0-7932DA0321EE}" type="datetimeFigureOut">
               <a:rPr lang="es-EC" smtClean="0"/>
-              <a:t>2/12/2021</a:t>
+              <a:t>3/12/2021</a:t>
             </a:fld>
             <a:endParaRPr lang="es-EC"/>
           </a:p>
@@ -2076,7 +2076,7 @@
           <a:p>
             <a:fld id="{D08394F6-24A6-437E-9DA0-7932DA0321EE}" type="datetimeFigureOut">
               <a:rPr lang="es-EC" smtClean="0"/>
-              <a:t>2/12/2021</a:t>
+              <a:t>3/12/2021</a:t>
             </a:fld>
             <a:endParaRPr lang="es-EC"/>
           </a:p>
@@ -2189,7 +2189,7 @@
           <a:p>
             <a:fld id="{D08394F6-24A6-437E-9DA0-7932DA0321EE}" type="datetimeFigureOut">
               <a:rPr lang="es-EC" smtClean="0"/>
-              <a:t>2/12/2021</a:t>
+              <a:t>3/12/2021</a:t>
             </a:fld>
             <a:endParaRPr lang="es-EC"/>
           </a:p>
@@ -2502,7 +2502,7 @@
           <a:p>
             <a:fld id="{D08394F6-24A6-437E-9DA0-7932DA0321EE}" type="datetimeFigureOut">
               <a:rPr lang="es-EC" smtClean="0"/>
-              <a:t>2/12/2021</a:t>
+              <a:t>3/12/2021</a:t>
             </a:fld>
             <a:endParaRPr lang="es-EC"/>
           </a:p>
@@ -2791,7 +2791,7 @@
           <a:p>
             <a:fld id="{D08394F6-24A6-437E-9DA0-7932DA0321EE}" type="datetimeFigureOut">
               <a:rPr lang="es-EC" smtClean="0"/>
-              <a:t>2/12/2021</a:t>
+              <a:t>3/12/2021</a:t>
             </a:fld>
             <a:endParaRPr lang="es-EC"/>
           </a:p>
@@ -3034,7 +3034,7 @@
           <a:p>
             <a:fld id="{D08394F6-24A6-437E-9DA0-7932DA0321EE}" type="datetimeFigureOut">
               <a:rPr lang="es-EC" smtClean="0"/>
-              <a:t>2/12/2021</a:t>
+              <a:t>3/12/2021</a:t>
             </a:fld>
             <a:endParaRPr lang="es-EC"/>
           </a:p>
@@ -3689,7 +3689,7 @@
             <a:pPr algn="ctr"/>
             <a:r>
               <a:rPr lang="es-EC" dirty="0"/>
-              <a:t>ANGULAR 13</a:t>
+              <a:t>ANGULAR 12</a:t>
             </a:r>
           </a:p>
         </p:txBody>

--- a/Arquitectura.pptx
+++ b/Arquitectura.pptx
@@ -365,7 +365,7 @@
           <a:p>
             <a:fld id="{D08394F6-24A6-437E-9DA0-7932DA0321EE}" type="datetimeFigureOut">
               <a:rPr lang="es-EC" smtClean="0"/>
-              <a:t>3/12/2021</a:t>
+              <a:t>8/12/2021</a:t>
             </a:fld>
             <a:endParaRPr lang="es-EC"/>
           </a:p>
@@ -565,7 +565,7 @@
           <a:p>
             <a:fld id="{D08394F6-24A6-437E-9DA0-7932DA0321EE}" type="datetimeFigureOut">
               <a:rPr lang="es-EC" smtClean="0"/>
-              <a:t>3/12/2021</a:t>
+              <a:t>8/12/2021</a:t>
             </a:fld>
             <a:endParaRPr lang="es-EC"/>
           </a:p>
@@ -775,7 +775,7 @@
           <a:p>
             <a:fld id="{D08394F6-24A6-437E-9DA0-7932DA0321EE}" type="datetimeFigureOut">
               <a:rPr lang="es-EC" smtClean="0"/>
-              <a:t>3/12/2021</a:t>
+              <a:t>8/12/2021</a:t>
             </a:fld>
             <a:endParaRPr lang="es-EC"/>
           </a:p>
@@ -975,7 +975,7 @@
           <a:p>
             <a:fld id="{D08394F6-24A6-437E-9DA0-7932DA0321EE}" type="datetimeFigureOut">
               <a:rPr lang="es-EC" smtClean="0"/>
-              <a:t>3/12/2021</a:t>
+              <a:t>8/12/2021</a:t>
             </a:fld>
             <a:endParaRPr lang="es-EC"/>
           </a:p>
@@ -1251,7 +1251,7 @@
           <a:p>
             <a:fld id="{D08394F6-24A6-437E-9DA0-7932DA0321EE}" type="datetimeFigureOut">
               <a:rPr lang="es-EC" smtClean="0"/>
-              <a:t>3/12/2021</a:t>
+              <a:t>8/12/2021</a:t>
             </a:fld>
             <a:endParaRPr lang="es-EC"/>
           </a:p>
@@ -1519,7 +1519,7 @@
           <a:p>
             <a:fld id="{D08394F6-24A6-437E-9DA0-7932DA0321EE}" type="datetimeFigureOut">
               <a:rPr lang="es-EC" smtClean="0"/>
-              <a:t>3/12/2021</a:t>
+              <a:t>8/12/2021</a:t>
             </a:fld>
             <a:endParaRPr lang="es-EC"/>
           </a:p>
@@ -1934,7 +1934,7 @@
           <a:p>
             <a:fld id="{D08394F6-24A6-437E-9DA0-7932DA0321EE}" type="datetimeFigureOut">
               <a:rPr lang="es-EC" smtClean="0"/>
-              <a:t>3/12/2021</a:t>
+              <a:t>8/12/2021</a:t>
             </a:fld>
             <a:endParaRPr lang="es-EC"/>
           </a:p>
@@ -2076,7 +2076,7 @@
           <a:p>
             <a:fld id="{D08394F6-24A6-437E-9DA0-7932DA0321EE}" type="datetimeFigureOut">
               <a:rPr lang="es-EC" smtClean="0"/>
-              <a:t>3/12/2021</a:t>
+              <a:t>8/12/2021</a:t>
             </a:fld>
             <a:endParaRPr lang="es-EC"/>
           </a:p>
@@ -2189,7 +2189,7 @@
           <a:p>
             <a:fld id="{D08394F6-24A6-437E-9DA0-7932DA0321EE}" type="datetimeFigureOut">
               <a:rPr lang="es-EC" smtClean="0"/>
-              <a:t>3/12/2021</a:t>
+              <a:t>8/12/2021</a:t>
             </a:fld>
             <a:endParaRPr lang="es-EC"/>
           </a:p>
@@ -2502,7 +2502,7 @@
           <a:p>
             <a:fld id="{D08394F6-24A6-437E-9DA0-7932DA0321EE}" type="datetimeFigureOut">
               <a:rPr lang="es-EC" smtClean="0"/>
-              <a:t>3/12/2021</a:t>
+              <a:t>8/12/2021</a:t>
             </a:fld>
             <a:endParaRPr lang="es-EC"/>
           </a:p>
@@ -2791,7 +2791,7 @@
           <a:p>
             <a:fld id="{D08394F6-24A6-437E-9DA0-7932DA0321EE}" type="datetimeFigureOut">
               <a:rPr lang="es-EC" smtClean="0"/>
-              <a:t>3/12/2021</a:t>
+              <a:t>8/12/2021</a:t>
             </a:fld>
             <a:endParaRPr lang="es-EC"/>
           </a:p>
@@ -3034,7 +3034,7 @@
           <a:p>
             <a:fld id="{D08394F6-24A6-437E-9DA0-7932DA0321EE}" type="datetimeFigureOut">
               <a:rPr lang="es-EC" smtClean="0"/>
-              <a:t>3/12/2021</a:t>
+              <a:t>8/12/2021</a:t>
             </a:fld>
             <a:endParaRPr lang="es-EC"/>
           </a:p>
@@ -5229,7 +5229,7 @@
         </p:nvSpPr>
         <p:spPr>
           <a:xfrm>
-            <a:off x="4053281" y="3885499"/>
+            <a:off x="3692903" y="3293376"/>
             <a:ext cx="3431098" cy="2902591"/>
           </a:xfrm>
           <a:prstGeom prst="rect">
@@ -5278,7 +5278,7 @@
         </p:nvSpPr>
         <p:spPr>
           <a:xfrm>
-            <a:off x="511728" y="830509"/>
+            <a:off x="99971" y="238385"/>
             <a:ext cx="3431098" cy="2902591"/>
           </a:xfrm>
           <a:prstGeom prst="rect">
@@ -5327,7 +5327,7 @@
         </p:nvSpPr>
         <p:spPr>
           <a:xfrm>
-            <a:off x="4053281" y="830508"/>
+            <a:off x="3692903" y="238385"/>
             <a:ext cx="3431098" cy="2902591"/>
           </a:xfrm>
           <a:prstGeom prst="rect">
@@ -5376,7 +5376,7 @@
         </p:nvSpPr>
         <p:spPr>
           <a:xfrm>
-            <a:off x="4957893" y="4320331"/>
+            <a:off x="4597515" y="3728208"/>
             <a:ext cx="2526485" cy="2467760"/>
           </a:xfrm>
           <a:prstGeom prst="rect">
@@ -5425,7 +5425,7 @@
         </p:nvSpPr>
         <p:spPr>
           <a:xfrm>
-            <a:off x="4053281" y="3885499"/>
+            <a:off x="3692903" y="3293376"/>
             <a:ext cx="3431097" cy="434831"/>
           </a:xfrm>
           <a:prstGeom prst="rect">
@@ -5471,7 +5471,7 @@
         </p:nvSpPr>
         <p:spPr>
           <a:xfrm>
-            <a:off x="4053280" y="4320330"/>
+            <a:off x="3692902" y="3728207"/>
             <a:ext cx="904613" cy="2467760"/>
           </a:xfrm>
           <a:prstGeom prst="rect">
@@ -5517,7 +5517,7 @@
         </p:nvSpPr>
         <p:spPr>
           <a:xfrm>
-            <a:off x="7694102" y="3885499"/>
+            <a:off x="7208935" y="3293377"/>
             <a:ext cx="1508621" cy="1223396"/>
           </a:xfrm>
           <a:prstGeom prst="rect">
@@ -5566,7 +5566,7 @@
         </p:nvSpPr>
         <p:spPr>
           <a:xfrm>
-            <a:off x="7694102" y="5328405"/>
+            <a:off x="7208935" y="4736283"/>
             <a:ext cx="1508621" cy="1223396"/>
           </a:xfrm>
           <a:prstGeom prst="rect">
@@ -5615,7 +5615,7 @@
         </p:nvSpPr>
         <p:spPr>
           <a:xfrm>
-            <a:off x="4639111" y="6027492"/>
+            <a:off x="4278733" y="5435369"/>
             <a:ext cx="2021747" cy="636168"/>
           </a:xfrm>
           <a:prstGeom prst="rect">
@@ -5664,7 +5664,7 @@
         </p:nvSpPr>
         <p:spPr>
           <a:xfrm>
-            <a:off x="7771002" y="830507"/>
+            <a:off x="7208935" y="227201"/>
             <a:ext cx="3431098" cy="2902591"/>
           </a:xfrm>
           <a:prstGeom prst="rect">
@@ -5696,6 +5696,291 @@
               <a:rPr lang="es-EC" dirty="0"/>
               <a:t>LOGIN</a:t>
             </a:r>
+          </a:p>
+        </p:txBody>
+      </p:sp>
+      <p:sp>
+        <p:nvSpPr>
+          <p:cNvPr id="2" name="Rectángulo 1">
+            <a:extLst>
+              <a:ext uri="{FF2B5EF4-FFF2-40B4-BE49-F238E27FC236}">
+                <a16:creationId xmlns:a16="http://schemas.microsoft.com/office/drawing/2014/main" id="{F60F9945-8BFB-4980-A186-EA0E38DA80CA}"/>
+              </a:ext>
+            </a:extLst>
+          </p:cNvPr>
+          <p:cNvSpPr/>
+          <p:nvPr/>
+        </p:nvSpPr>
+        <p:spPr>
+          <a:xfrm>
+            <a:off x="7208933" y="319483"/>
+            <a:ext cx="3431098" cy="419450"/>
+          </a:xfrm>
+          <a:prstGeom prst="rect">
+            <a:avLst/>
+          </a:prstGeom>
+        </p:spPr>
+        <p:style>
+          <a:lnRef idx="2">
+            <a:schemeClr val="accent1">
+              <a:shade val="50000"/>
+            </a:schemeClr>
+          </a:lnRef>
+          <a:fillRef idx="1">
+            <a:schemeClr val="accent1"/>
+          </a:fillRef>
+          <a:effectRef idx="0">
+            <a:schemeClr val="accent1"/>
+          </a:effectRef>
+          <a:fontRef idx="minor">
+            <a:schemeClr val="lt1"/>
+          </a:fontRef>
+        </p:style>
+        <p:txBody>
+          <a:bodyPr rtlCol="0" anchor="ctr"/>
+          <a:lstStyle/>
+          <a:p>
+            <a:pPr algn="ctr"/>
+            <a:endParaRPr lang="es-EC"/>
+          </a:p>
+        </p:txBody>
+      </p:sp>
+      <p:sp>
+        <p:nvSpPr>
+          <p:cNvPr id="17" name="Rectángulo 16">
+            <a:extLst>
+              <a:ext uri="{FF2B5EF4-FFF2-40B4-BE49-F238E27FC236}">
+                <a16:creationId xmlns:a16="http://schemas.microsoft.com/office/drawing/2014/main" id="{EB2B7228-BEB5-406C-972F-24CF2A746A52}"/>
+              </a:ext>
+            </a:extLst>
+          </p:cNvPr>
+          <p:cNvSpPr/>
+          <p:nvPr/>
+        </p:nvSpPr>
+        <p:spPr>
+          <a:xfrm>
+            <a:off x="7314496" y="1196128"/>
+            <a:ext cx="1451995" cy="1459688"/>
+          </a:xfrm>
+          <a:prstGeom prst="rect">
+            <a:avLst/>
+          </a:prstGeom>
+        </p:spPr>
+        <p:style>
+          <a:lnRef idx="2">
+            <a:schemeClr val="accent1">
+              <a:shade val="50000"/>
+            </a:schemeClr>
+          </a:lnRef>
+          <a:fillRef idx="1">
+            <a:schemeClr val="accent1"/>
+          </a:fillRef>
+          <a:effectRef idx="0">
+            <a:schemeClr val="accent1"/>
+          </a:effectRef>
+          <a:fontRef idx="minor">
+            <a:schemeClr val="lt1"/>
+          </a:fontRef>
+        </p:style>
+        <p:txBody>
+          <a:bodyPr rtlCol="0" anchor="ctr"/>
+          <a:lstStyle/>
+          <a:p>
+            <a:pPr algn="ctr"/>
+            <a:endParaRPr lang="es-EC"/>
+          </a:p>
+        </p:txBody>
+      </p:sp>
+      <p:sp>
+        <p:nvSpPr>
+          <p:cNvPr id="13" name="Rectángulo 12">
+            <a:extLst>
+              <a:ext uri="{FF2B5EF4-FFF2-40B4-BE49-F238E27FC236}">
+                <a16:creationId xmlns:a16="http://schemas.microsoft.com/office/drawing/2014/main" id="{0D4F045A-C53D-4985-9CDB-26FF37149CEF}"/>
+              </a:ext>
+            </a:extLst>
+          </p:cNvPr>
+          <p:cNvSpPr/>
+          <p:nvPr/>
+        </p:nvSpPr>
+        <p:spPr>
+          <a:xfrm>
+            <a:off x="10745592" y="227201"/>
+            <a:ext cx="1242276" cy="931876"/>
+          </a:xfrm>
+          <a:prstGeom prst="rect">
+            <a:avLst/>
+          </a:prstGeom>
+        </p:spPr>
+        <p:style>
+          <a:lnRef idx="2">
+            <a:schemeClr val="accent1">
+              <a:shade val="50000"/>
+            </a:schemeClr>
+          </a:lnRef>
+          <a:fillRef idx="1">
+            <a:schemeClr val="accent1"/>
+          </a:fillRef>
+          <a:effectRef idx="0">
+            <a:schemeClr val="accent1"/>
+          </a:effectRef>
+          <a:fontRef idx="minor">
+            <a:schemeClr val="lt1"/>
+          </a:fontRef>
+        </p:style>
+        <p:txBody>
+          <a:bodyPr rtlCol="0" anchor="ctr"/>
+          <a:lstStyle/>
+          <a:p>
+            <a:pPr algn="ctr"/>
+            <a:r>
+              <a:rPr lang="es-EC" dirty="0"/>
+              <a:t>AUTH</a:t>
+            </a:r>
+          </a:p>
+        </p:txBody>
+      </p:sp>
+      <p:sp>
+        <p:nvSpPr>
+          <p:cNvPr id="15" name="Rectángulo 14">
+            <a:extLst>
+              <a:ext uri="{FF2B5EF4-FFF2-40B4-BE49-F238E27FC236}">
+                <a16:creationId xmlns:a16="http://schemas.microsoft.com/office/drawing/2014/main" id="{1C3F6459-8458-4C7A-A81D-212B8EDE317F}"/>
+              </a:ext>
+            </a:extLst>
+          </p:cNvPr>
+          <p:cNvSpPr/>
+          <p:nvPr/>
+        </p:nvSpPr>
+        <p:spPr>
+          <a:xfrm>
+            <a:off x="10745592" y="1237373"/>
+            <a:ext cx="1242276" cy="931876"/>
+          </a:xfrm>
+          <a:prstGeom prst="rect">
+            <a:avLst/>
+          </a:prstGeom>
+        </p:spPr>
+        <p:style>
+          <a:lnRef idx="2">
+            <a:schemeClr val="accent1">
+              <a:shade val="50000"/>
+            </a:schemeClr>
+          </a:lnRef>
+          <a:fillRef idx="1">
+            <a:schemeClr val="accent1"/>
+          </a:fillRef>
+          <a:effectRef idx="0">
+            <a:schemeClr val="accent1"/>
+          </a:effectRef>
+          <a:fontRef idx="minor">
+            <a:schemeClr val="lt1"/>
+          </a:fontRef>
+        </p:style>
+        <p:txBody>
+          <a:bodyPr rtlCol="0" anchor="ctr"/>
+          <a:lstStyle/>
+          <a:p>
+            <a:pPr algn="ctr"/>
+            <a:r>
+              <a:rPr lang="es-EC" dirty="0"/>
+              <a:t>REGISTER</a:t>
+            </a:r>
+          </a:p>
+        </p:txBody>
+      </p:sp>
+      <p:sp>
+        <p:nvSpPr>
+          <p:cNvPr id="16" name="Rectángulo 15">
+            <a:extLst>
+              <a:ext uri="{FF2B5EF4-FFF2-40B4-BE49-F238E27FC236}">
+                <a16:creationId xmlns:a16="http://schemas.microsoft.com/office/drawing/2014/main" id="{BFCB8E4D-8D9B-430C-842F-D1CFA10B249D}"/>
+              </a:ext>
+            </a:extLst>
+          </p:cNvPr>
+          <p:cNvSpPr/>
+          <p:nvPr/>
+        </p:nvSpPr>
+        <p:spPr>
+          <a:xfrm>
+            <a:off x="10745592" y="2247545"/>
+            <a:ext cx="1242276" cy="931876"/>
+          </a:xfrm>
+          <a:prstGeom prst="rect">
+            <a:avLst/>
+          </a:prstGeom>
+        </p:spPr>
+        <p:style>
+          <a:lnRef idx="2">
+            <a:schemeClr val="accent1">
+              <a:shade val="50000"/>
+            </a:schemeClr>
+          </a:lnRef>
+          <a:fillRef idx="1">
+            <a:schemeClr val="accent1"/>
+          </a:fillRef>
+          <a:effectRef idx="0">
+            <a:schemeClr val="accent1"/>
+          </a:effectRef>
+          <a:fontRef idx="minor">
+            <a:schemeClr val="lt1"/>
+          </a:fontRef>
+        </p:style>
+        <p:txBody>
+          <a:bodyPr rtlCol="0" anchor="ctr"/>
+          <a:lstStyle/>
+          <a:p>
+            <a:pPr algn="ctr"/>
+            <a:r>
+              <a:rPr lang="es-EC" dirty="0"/>
+              <a:t>PASSWORD RECOVERY</a:t>
+            </a:r>
+          </a:p>
+        </p:txBody>
+      </p:sp>
+      <p:sp>
+        <p:nvSpPr>
+          <p:cNvPr id="3" name="Flecha: a la derecha con muesca 2">
+            <a:extLst>
+              <a:ext uri="{FF2B5EF4-FFF2-40B4-BE49-F238E27FC236}">
+                <a16:creationId xmlns:a16="http://schemas.microsoft.com/office/drawing/2014/main" id="{40B6ED2A-3ADE-4B33-A441-B3D37B535789}"/>
+              </a:ext>
+            </a:extLst>
+          </p:cNvPr>
+          <p:cNvSpPr/>
+          <p:nvPr/>
+        </p:nvSpPr>
+        <p:spPr>
+          <a:xfrm rot="10800000">
+            <a:off x="10174802" y="983604"/>
+            <a:ext cx="738231" cy="1224793"/>
+          </a:xfrm>
+          <a:prstGeom prst="notchedRightArrow">
+            <a:avLst/>
+          </a:prstGeom>
+        </p:spPr>
+        <p:style>
+          <a:lnRef idx="2">
+            <a:schemeClr val="accent4">
+              <a:shade val="50000"/>
+            </a:schemeClr>
+          </a:lnRef>
+          <a:fillRef idx="1">
+            <a:schemeClr val="accent4"/>
+          </a:fillRef>
+          <a:effectRef idx="0">
+            <a:schemeClr val="accent4"/>
+          </a:effectRef>
+          <a:fontRef idx="minor">
+            <a:schemeClr val="lt1"/>
+          </a:fontRef>
+        </p:style>
+        <p:txBody>
+          <a:bodyPr rtlCol="0" anchor="ctr"/>
+          <a:lstStyle/>
+          <a:p>
+            <a:pPr algn="ctr"/>
+            <a:endParaRPr lang="es-EC"/>
           </a:p>
         </p:txBody>
       </p:sp>

--- a/Arquitectura.pptx
+++ b/Arquitectura.pptx
@@ -365,7 +365,7 @@
           <a:p>
             <a:fld id="{D08394F6-24A6-437E-9DA0-7932DA0321EE}" type="datetimeFigureOut">
               <a:rPr lang="es-EC" smtClean="0"/>
-              <a:t>8/12/2021</a:t>
+              <a:t>9/12/2021</a:t>
             </a:fld>
             <a:endParaRPr lang="es-EC"/>
           </a:p>
@@ -565,7 +565,7 @@
           <a:p>
             <a:fld id="{D08394F6-24A6-437E-9DA0-7932DA0321EE}" type="datetimeFigureOut">
               <a:rPr lang="es-EC" smtClean="0"/>
-              <a:t>8/12/2021</a:t>
+              <a:t>9/12/2021</a:t>
             </a:fld>
             <a:endParaRPr lang="es-EC"/>
           </a:p>
@@ -775,7 +775,7 @@
           <a:p>
             <a:fld id="{D08394F6-24A6-437E-9DA0-7932DA0321EE}" type="datetimeFigureOut">
               <a:rPr lang="es-EC" smtClean="0"/>
-              <a:t>8/12/2021</a:t>
+              <a:t>9/12/2021</a:t>
             </a:fld>
             <a:endParaRPr lang="es-EC"/>
           </a:p>
@@ -975,7 +975,7 @@
           <a:p>
             <a:fld id="{D08394F6-24A6-437E-9DA0-7932DA0321EE}" type="datetimeFigureOut">
               <a:rPr lang="es-EC" smtClean="0"/>
-              <a:t>8/12/2021</a:t>
+              <a:t>9/12/2021</a:t>
             </a:fld>
             <a:endParaRPr lang="es-EC"/>
           </a:p>
@@ -1251,7 +1251,7 @@
           <a:p>
             <a:fld id="{D08394F6-24A6-437E-9DA0-7932DA0321EE}" type="datetimeFigureOut">
               <a:rPr lang="es-EC" smtClean="0"/>
-              <a:t>8/12/2021</a:t>
+              <a:t>9/12/2021</a:t>
             </a:fld>
             <a:endParaRPr lang="es-EC"/>
           </a:p>
@@ -1519,7 +1519,7 @@
           <a:p>
             <a:fld id="{D08394F6-24A6-437E-9DA0-7932DA0321EE}" type="datetimeFigureOut">
               <a:rPr lang="es-EC" smtClean="0"/>
-              <a:t>8/12/2021</a:t>
+              <a:t>9/12/2021</a:t>
             </a:fld>
             <a:endParaRPr lang="es-EC"/>
           </a:p>
@@ -1934,7 +1934,7 @@
           <a:p>
             <a:fld id="{D08394F6-24A6-437E-9DA0-7932DA0321EE}" type="datetimeFigureOut">
               <a:rPr lang="es-EC" smtClean="0"/>
-              <a:t>8/12/2021</a:t>
+              <a:t>9/12/2021</a:t>
             </a:fld>
             <a:endParaRPr lang="es-EC"/>
           </a:p>
@@ -2076,7 +2076,7 @@
           <a:p>
             <a:fld id="{D08394F6-24A6-437E-9DA0-7932DA0321EE}" type="datetimeFigureOut">
               <a:rPr lang="es-EC" smtClean="0"/>
-              <a:t>8/12/2021</a:t>
+              <a:t>9/12/2021</a:t>
             </a:fld>
             <a:endParaRPr lang="es-EC"/>
           </a:p>
@@ -2189,7 +2189,7 @@
           <a:p>
             <a:fld id="{D08394F6-24A6-437E-9DA0-7932DA0321EE}" type="datetimeFigureOut">
               <a:rPr lang="es-EC" smtClean="0"/>
-              <a:t>8/12/2021</a:t>
+              <a:t>9/12/2021</a:t>
             </a:fld>
             <a:endParaRPr lang="es-EC"/>
           </a:p>
@@ -2502,7 +2502,7 @@
           <a:p>
             <a:fld id="{D08394F6-24A6-437E-9DA0-7932DA0321EE}" type="datetimeFigureOut">
               <a:rPr lang="es-EC" smtClean="0"/>
-              <a:t>8/12/2021</a:t>
+              <a:t>9/12/2021</a:t>
             </a:fld>
             <a:endParaRPr lang="es-EC"/>
           </a:p>
@@ -2791,7 +2791,7 @@
           <a:p>
             <a:fld id="{D08394F6-24A6-437E-9DA0-7932DA0321EE}" type="datetimeFigureOut">
               <a:rPr lang="es-EC" smtClean="0"/>
-              <a:t>8/12/2021</a:t>
+              <a:t>9/12/2021</a:t>
             </a:fld>
             <a:endParaRPr lang="es-EC"/>
           </a:p>
@@ -3034,7 +3034,7 @@
           <a:p>
             <a:fld id="{D08394F6-24A6-437E-9DA0-7932DA0321EE}" type="datetimeFigureOut">
               <a:rPr lang="es-EC" smtClean="0"/>
-              <a:t>8/12/2021</a:t>
+              <a:t>9/12/2021</a:t>
             </a:fld>
             <a:endParaRPr lang="es-EC"/>
           </a:p>
@@ -4535,7 +4535,7 @@
         </p:nvSpPr>
         <p:spPr>
           <a:xfrm>
-            <a:off x="662730" y="587229"/>
+            <a:off x="3311554" y="643752"/>
             <a:ext cx="1996580" cy="5486400"/>
           </a:xfrm>
           <a:prstGeom prst="rect">
@@ -4584,7 +4584,7 @@
         </p:nvSpPr>
         <p:spPr>
           <a:xfrm>
-            <a:off x="2796330" y="587229"/>
+            <a:off x="5445154" y="643752"/>
             <a:ext cx="5315824" cy="3372376"/>
           </a:xfrm>
           <a:prstGeom prst="rect">
@@ -4668,7 +4668,7 @@
         </p:nvSpPr>
         <p:spPr>
           <a:xfrm>
-            <a:off x="314587" y="981511"/>
+            <a:off x="2963411" y="1038034"/>
             <a:ext cx="696286" cy="620786"/>
           </a:xfrm>
           <a:prstGeom prst="ellipse">
@@ -4714,7 +4714,7 @@
         </p:nvSpPr>
         <p:spPr>
           <a:xfrm>
-            <a:off x="314587" y="1686186"/>
+            <a:off x="2963411" y="1742709"/>
             <a:ext cx="696286" cy="620786"/>
           </a:xfrm>
           <a:prstGeom prst="ellipse">
@@ -4760,7 +4760,7 @@
         </p:nvSpPr>
         <p:spPr>
           <a:xfrm>
-            <a:off x="2796330" y="587227"/>
+            <a:off x="5445154" y="643750"/>
             <a:ext cx="1652632" cy="2994885"/>
           </a:xfrm>
           <a:prstGeom prst="rect">
@@ -4831,7 +4831,7 @@
         </p:nvSpPr>
         <p:spPr>
           <a:xfrm>
-            <a:off x="4430784" y="587214"/>
+            <a:off x="7079608" y="643737"/>
             <a:ext cx="2028737" cy="2994885"/>
           </a:xfrm>
           <a:prstGeom prst="rect">
@@ -4887,7 +4887,7 @@
         </p:nvSpPr>
         <p:spPr>
           <a:xfrm>
-            <a:off x="6459522" y="587213"/>
+            <a:off x="9108346" y="643736"/>
             <a:ext cx="1652632" cy="2994885"/>
           </a:xfrm>
           <a:prstGeom prst="rect">
@@ -4956,7 +4956,7 @@
         </p:nvSpPr>
         <p:spPr>
           <a:xfrm>
-            <a:off x="2526484" y="3678366"/>
+            <a:off x="5175308" y="3734889"/>
             <a:ext cx="402672" cy="243281"/>
           </a:xfrm>
           <a:prstGeom prst="leftRightArrow">
@@ -5002,7 +5002,7 @@
         </p:nvSpPr>
         <p:spPr>
           <a:xfrm>
-            <a:off x="6258186" y="4064220"/>
+            <a:off x="8907010" y="4120743"/>
             <a:ext cx="1853967" cy="2009409"/>
           </a:xfrm>
           <a:prstGeom prst="rect">
@@ -5051,7 +5051,7 @@
         </p:nvSpPr>
         <p:spPr>
           <a:xfrm>
-            <a:off x="7533314" y="3799979"/>
+            <a:off x="10182138" y="3856502"/>
             <a:ext cx="343948" cy="467193"/>
           </a:xfrm>
           <a:prstGeom prst="upArrow">
@@ -5097,7 +5097,7 @@
         </p:nvSpPr>
         <p:spPr>
           <a:xfrm>
-            <a:off x="2796330" y="4055859"/>
+            <a:off x="5445154" y="4112382"/>
             <a:ext cx="3394745" cy="2009409"/>
           </a:xfrm>
           <a:prstGeom prst="rect">
@@ -5146,7 +5146,7 @@
         </p:nvSpPr>
         <p:spPr>
           <a:xfrm>
-            <a:off x="3545746" y="3760412"/>
+            <a:off x="6194570" y="3816935"/>
             <a:ext cx="343948" cy="467193"/>
           </a:xfrm>
           <a:prstGeom prst="upArrow">
@@ -5182,6 +5182,104 @@
           <a:p>
             <a:pPr algn="ctr"/>
             <a:endParaRPr lang="es-EC"/>
+          </a:p>
+        </p:txBody>
+      </p:sp>
+      <p:sp>
+        <p:nvSpPr>
+          <p:cNvPr id="2" name="Rectángulo 1">
+            <a:extLst>
+              <a:ext uri="{FF2B5EF4-FFF2-40B4-BE49-F238E27FC236}">
+                <a16:creationId xmlns:a16="http://schemas.microsoft.com/office/drawing/2014/main" id="{65FCCFFE-BF5C-41E3-8725-3820CE71D578}"/>
+              </a:ext>
+            </a:extLst>
+          </p:cNvPr>
+          <p:cNvSpPr/>
+          <p:nvPr/>
+        </p:nvSpPr>
+        <p:spPr>
+          <a:xfrm>
+            <a:off x="461394" y="6255987"/>
+            <a:ext cx="10299583" cy="360727"/>
+          </a:xfrm>
+          <a:prstGeom prst="rect">
+            <a:avLst/>
+          </a:prstGeom>
+        </p:spPr>
+        <p:style>
+          <a:lnRef idx="2">
+            <a:schemeClr val="accent1">
+              <a:shade val="50000"/>
+            </a:schemeClr>
+          </a:lnRef>
+          <a:fillRef idx="1">
+            <a:schemeClr val="accent1"/>
+          </a:fillRef>
+          <a:effectRef idx="0">
+            <a:schemeClr val="accent1"/>
+          </a:effectRef>
+          <a:fontRef idx="minor">
+            <a:schemeClr val="lt1"/>
+          </a:fontRef>
+        </p:style>
+        <p:txBody>
+          <a:bodyPr rtlCol="0" anchor="ctr"/>
+          <a:lstStyle/>
+          <a:p>
+            <a:pPr algn="ctr"/>
+            <a:r>
+              <a:rPr lang="es-EC" dirty="0"/>
+              <a:t>GUARD</a:t>
+            </a:r>
+          </a:p>
+        </p:txBody>
+      </p:sp>
+      <p:sp>
+        <p:nvSpPr>
+          <p:cNvPr id="16" name="Rectángulo 15">
+            <a:extLst>
+              <a:ext uri="{FF2B5EF4-FFF2-40B4-BE49-F238E27FC236}">
+                <a16:creationId xmlns:a16="http://schemas.microsoft.com/office/drawing/2014/main" id="{20B1CCCB-3207-485F-9D55-3590EC10094B}"/>
+              </a:ext>
+            </a:extLst>
+          </p:cNvPr>
+          <p:cNvSpPr/>
+          <p:nvPr/>
+        </p:nvSpPr>
+        <p:spPr>
+          <a:xfrm>
+            <a:off x="461394" y="639349"/>
+            <a:ext cx="2374085" cy="5490803"/>
+          </a:xfrm>
+          <a:prstGeom prst="rect">
+            <a:avLst/>
+          </a:prstGeom>
+        </p:spPr>
+        <p:style>
+          <a:lnRef idx="2">
+            <a:schemeClr val="accent1">
+              <a:shade val="50000"/>
+            </a:schemeClr>
+          </a:lnRef>
+          <a:fillRef idx="1">
+            <a:schemeClr val="accent1"/>
+          </a:fillRef>
+          <a:effectRef idx="0">
+            <a:schemeClr val="accent1"/>
+          </a:effectRef>
+          <a:fontRef idx="minor">
+            <a:schemeClr val="lt1"/>
+          </a:fontRef>
+        </p:style>
+        <p:txBody>
+          <a:bodyPr rtlCol="0" anchor="ctr"/>
+          <a:lstStyle/>
+          <a:p>
+            <a:pPr algn="ctr"/>
+            <a:r>
+              <a:rPr lang="es-EC" dirty="0"/>
+              <a:t>ROUTER</a:t>
+            </a:r>
           </a:p>
         </p:txBody>
       </p:sp>

--- a/Arquitectura.pptx
+++ b/Arquitectura.pptx
@@ -5713,7 +5713,7 @@
         </p:nvSpPr>
         <p:spPr>
           <a:xfrm>
-            <a:off x="4278733" y="5435369"/>
+            <a:off x="4220010" y="5347981"/>
             <a:ext cx="2021747" cy="636168"/>
           </a:xfrm>
           <a:prstGeom prst="rect">
